--- a/lab2b.pptx
+++ b/lab2b.pptx
@@ -8,9 +8,10 @@
     <p:sldId id="256" r:id="rId2"/>
     <p:sldId id="257" r:id="rId3"/>
     <p:sldId id="258" r:id="rId4"/>
-    <p:sldId id="259" r:id="rId5"/>
-    <p:sldId id="260" r:id="rId6"/>
-    <p:sldId id="261" r:id="rId7"/>
+    <p:sldId id="262" r:id="rId5"/>
+    <p:sldId id="259" r:id="rId6"/>
+    <p:sldId id="260" r:id="rId7"/>
+    <p:sldId id="261" r:id="rId8"/>
   </p:sldIdLst>
   <p:sldSz cx="12192000" cy="6858000"/>
   <p:notesSz cx="6858000" cy="9144000"/>
@@ -275,7 +276,7 @@
           <a:p>
             <a:fld id="{8F13422F-00F3-1342-9F43-3C3E4A323A42}" type="datetimeFigureOut">
               <a:rPr lang="en-US" smtClean="0"/>
-              <a:t>9/9/21</a:t>
+              <a:t>2/4/22</a:t>
             </a:fld>
             <a:endParaRPr lang="en-US"/>
           </a:p>
@@ -473,7 +474,7 @@
           <a:p>
             <a:fld id="{8F13422F-00F3-1342-9F43-3C3E4A323A42}" type="datetimeFigureOut">
               <a:rPr lang="en-US" smtClean="0"/>
-              <a:t>9/9/21</a:t>
+              <a:t>2/4/22</a:t>
             </a:fld>
             <a:endParaRPr lang="en-US"/>
           </a:p>
@@ -681,7 +682,7 @@
           <a:p>
             <a:fld id="{8F13422F-00F3-1342-9F43-3C3E4A323A42}" type="datetimeFigureOut">
               <a:rPr lang="en-US" smtClean="0"/>
-              <a:t>9/9/21</a:t>
+              <a:t>2/4/22</a:t>
             </a:fld>
             <a:endParaRPr lang="en-US"/>
           </a:p>
@@ -879,7 +880,7 @@
           <a:p>
             <a:fld id="{8F13422F-00F3-1342-9F43-3C3E4A323A42}" type="datetimeFigureOut">
               <a:rPr lang="en-US" smtClean="0"/>
-              <a:t>9/9/21</a:t>
+              <a:t>2/4/22</a:t>
             </a:fld>
             <a:endParaRPr lang="en-US"/>
           </a:p>
@@ -1154,7 +1155,7 @@
           <a:p>
             <a:fld id="{8F13422F-00F3-1342-9F43-3C3E4A323A42}" type="datetimeFigureOut">
               <a:rPr lang="en-US" smtClean="0"/>
-              <a:t>9/9/21</a:t>
+              <a:t>2/4/22</a:t>
             </a:fld>
             <a:endParaRPr lang="en-US"/>
           </a:p>
@@ -1419,7 +1420,7 @@
           <a:p>
             <a:fld id="{8F13422F-00F3-1342-9F43-3C3E4A323A42}" type="datetimeFigureOut">
               <a:rPr lang="en-US" smtClean="0"/>
-              <a:t>9/9/21</a:t>
+              <a:t>2/4/22</a:t>
             </a:fld>
             <a:endParaRPr lang="en-US"/>
           </a:p>
@@ -1831,7 +1832,7 @@
           <a:p>
             <a:fld id="{8F13422F-00F3-1342-9F43-3C3E4A323A42}" type="datetimeFigureOut">
               <a:rPr lang="en-US" smtClean="0"/>
-              <a:t>9/9/21</a:t>
+              <a:t>2/4/22</a:t>
             </a:fld>
             <a:endParaRPr lang="en-US"/>
           </a:p>
@@ -1972,7 +1973,7 @@
           <a:p>
             <a:fld id="{8F13422F-00F3-1342-9F43-3C3E4A323A42}" type="datetimeFigureOut">
               <a:rPr lang="en-US" smtClean="0"/>
-              <a:t>9/9/21</a:t>
+              <a:t>2/4/22</a:t>
             </a:fld>
             <a:endParaRPr lang="en-US"/>
           </a:p>
@@ -2085,7 +2086,7 @@
           <a:p>
             <a:fld id="{8F13422F-00F3-1342-9F43-3C3E4A323A42}" type="datetimeFigureOut">
               <a:rPr lang="en-US" smtClean="0"/>
-              <a:t>9/9/21</a:t>
+              <a:t>2/4/22</a:t>
             </a:fld>
             <a:endParaRPr lang="en-US"/>
           </a:p>
@@ -2396,7 +2397,7 @@
           <a:p>
             <a:fld id="{8F13422F-00F3-1342-9F43-3C3E4A323A42}" type="datetimeFigureOut">
               <a:rPr lang="en-US" smtClean="0"/>
-              <a:t>9/9/21</a:t>
+              <a:t>2/4/22</a:t>
             </a:fld>
             <a:endParaRPr lang="en-US"/>
           </a:p>
@@ -2684,7 +2685,7 @@
           <a:p>
             <a:fld id="{8F13422F-00F3-1342-9F43-3C3E4A323A42}" type="datetimeFigureOut">
               <a:rPr lang="en-US" smtClean="0"/>
-              <a:t>9/9/21</a:t>
+              <a:t>2/4/22</a:t>
             </a:fld>
             <a:endParaRPr lang="en-US"/>
           </a:p>
@@ -2925,7 +2926,7 @@
           <a:p>
             <a:fld id="{8F13422F-00F3-1342-9F43-3C3E4A323A42}" type="datetimeFigureOut">
               <a:rPr lang="en-US" smtClean="0"/>
-              <a:t>9/9/21</a:t>
+              <a:t>2/4/22</a:t>
             </a:fld>
             <a:endParaRPr lang="en-US"/>
           </a:p>
@@ -3869,50 +3870,6 @@
           </a:p>
         </p:txBody>
       </p:sp>
-      <p:sp>
-        <p:nvSpPr>
-          <p:cNvPr id="3" name="TextBox 2">
-            <a:extLst>
-              <a:ext uri="{FF2B5EF4-FFF2-40B4-BE49-F238E27FC236}">
-                <a16:creationId xmlns:a16="http://schemas.microsoft.com/office/drawing/2014/main" id="{BF0B05BF-75CC-4649-A779-337BD1BCE246}"/>
-              </a:ext>
-            </a:extLst>
-          </p:cNvPr>
-          <p:cNvSpPr txBox="1"/>
-          <p:nvPr/>
-        </p:nvSpPr>
-        <p:spPr>
-          <a:xfrm>
-            <a:off x="1246909" y="1535116"/>
-            <a:ext cx="792205" cy="923330"/>
-          </a:xfrm>
-          <a:prstGeom prst="rect">
-            <a:avLst/>
-          </a:prstGeom>
-          <a:noFill/>
-        </p:spPr>
-        <p:txBody>
-          <a:bodyPr wrap="none" rtlCol="0">
-            <a:spAutoFit/>
-          </a:bodyPr>
-          <a:lstStyle/>
-          <a:p>
-            <a:r>
-              <a:rPr lang="en-US" dirty="0"/>
-              <a:t>17</a:t>
-            </a:r>
-          </a:p>
-          <a:p>
-            <a:endParaRPr lang="en-US" dirty="0"/>
-          </a:p>
-          <a:p>
-            <a:r>
-              <a:rPr lang="en-US" dirty="0"/>
-              <a:t>21_(8)</a:t>
-            </a:r>
-          </a:p>
-        </p:txBody>
-      </p:sp>
     </p:spTree>
     <p:extLst>
       <p:ext uri="{BB962C8B-B14F-4D97-AF65-F5344CB8AC3E}">
@@ -5192,7 +5149,7 @@
           <p:cNvPr id="2" name="Title 1">
             <a:extLst>
               <a:ext uri="{FF2B5EF4-FFF2-40B4-BE49-F238E27FC236}">
-                <a16:creationId xmlns:a16="http://schemas.microsoft.com/office/drawing/2014/main" id="{73056ECC-5044-DD4D-A8BF-9EB50C9DEB65}"/>
+                <a16:creationId xmlns:a16="http://schemas.microsoft.com/office/drawing/2014/main" id="{A62D15B9-85D0-D04D-BF61-E8C1CE13495C}"/>
               </a:ext>
             </a:extLst>
           </p:cNvPr>
@@ -5210,7 +5167,7 @@
           <a:p>
             <a:r>
               <a:rPr lang="en-US" dirty="0"/>
-              <a:t>DIVISION</a:t>
+              <a:t>Base-8</a:t>
             </a:r>
           </a:p>
         </p:txBody>
@@ -5220,7 +5177,7 @@
           <p:cNvPr id="3" name="Content Placeholder 2">
             <a:extLst>
               <a:ext uri="{FF2B5EF4-FFF2-40B4-BE49-F238E27FC236}">
-                <a16:creationId xmlns:a16="http://schemas.microsoft.com/office/drawing/2014/main" id="{813A23BA-1CB7-C44B-90F3-E4A81A4F3F74}"/>
+                <a16:creationId xmlns:a16="http://schemas.microsoft.com/office/drawing/2014/main" id="{C2A4BACA-541A-BD40-94DE-4B7E6E389809}"/>
               </a:ext>
             </a:extLst>
           </p:cNvPr>
@@ -5234,154 +5191,53 @@
         <p:spPr>
           <a:xfrm>
             <a:off x="838200" y="1825625"/>
-            <a:ext cx="4648200" cy="4351338"/>
-          </a:xfrm>
-        </p:spPr>
-        <p:txBody>
-          <a:bodyPr>
-            <a:normAutofit fontScale="92500" lnSpcReduction="20000"/>
-          </a:bodyPr>
-          <a:lstStyle/>
-          <a:p>
-            <a:pPr marL="0" indent="0">
-              <a:buNone/>
-            </a:pPr>
+            <a:ext cx="3900854" cy="4351338"/>
+          </a:xfrm>
+        </p:spPr>
+        <p:txBody>
+          <a:bodyPr/>
+          <a:lstStyle/>
+          <a:p>
             <a:r>
               <a:rPr lang="en-US" dirty="0"/>
-              <a:t>Input: R3, R4  (R3 / R4)</a:t>
-            </a:r>
-          </a:p>
-          <a:p>
-            <a:pPr marL="0" indent="0">
-              <a:buNone/>
-            </a:pPr>
+              <a:t>R3 = 9</a:t>
+            </a:r>
+          </a:p>
+          <a:p>
             <a:r>
               <a:rPr lang="en-US" dirty="0"/>
-              <a:t>Output: R0 (Q), R1 (Remainder)</a:t>
-            </a:r>
-          </a:p>
-          <a:p>
-            <a:pPr marL="0" indent="0">
-              <a:buNone/>
-            </a:pPr>
+              <a:t>Base-8: 11</a:t>
+            </a:r>
+          </a:p>
+          <a:p>
+            <a:pPr lvl="1"/>
+            <a:r>
+              <a:rPr lang="en-US" dirty="0"/>
+              <a:t>9 = 1 + 1 * 8</a:t>
+            </a:r>
+          </a:p>
+          <a:p>
+            <a:r>
+              <a:rPr lang="en-US" dirty="0"/>
+              <a:t>R3 = 9, stack = []</a:t>
+            </a:r>
+          </a:p>
+          <a:p>
+            <a:pPr lvl="1"/>
+            <a:r>
+              <a:rPr lang="en-US" dirty="0"/>
+              <a:t>Q = 1, R=1</a:t>
+            </a:r>
+          </a:p>
+          <a:p>
+            <a:r>
+              <a:rPr lang="en-US" dirty="0"/>
+              <a:t>R3 = 1, stack = [1]</a:t>
+            </a:r>
+          </a:p>
+          <a:p>
             <a:endParaRPr lang="en-US" dirty="0"/>
           </a:p>
-          <a:p>
-            <a:pPr marL="0" indent="0">
-              <a:buNone/>
-            </a:pPr>
-            <a:r>
-              <a:rPr lang="en-US" dirty="0"/>
-              <a:t>R0 </a:t>
-            </a:r>
-            <a:r>
-              <a:rPr lang="en-US" dirty="0">
-                <a:sym typeface="Wingdings" pitchFamily="2" charset="2"/>
-              </a:rPr>
-              <a:t></a:t>
-            </a:r>
-            <a:r>
-              <a:rPr lang="en-US" dirty="0"/>
-              <a:t> 0</a:t>
-            </a:r>
-          </a:p>
-          <a:p>
-            <a:pPr marL="0" indent="0">
-              <a:buNone/>
-            </a:pPr>
-            <a:r>
-              <a:rPr lang="en-US" dirty="0" err="1"/>
-              <a:t>DivLOOP</a:t>
-            </a:r>
-            <a:endParaRPr lang="en-US" dirty="0"/>
-          </a:p>
-          <a:p>
-            <a:pPr marL="0" indent="0">
-              <a:buNone/>
-            </a:pPr>
-            <a:r>
-              <a:rPr lang="en-US" dirty="0"/>
-              <a:t>	R0 </a:t>
-            </a:r>
-            <a:r>
-              <a:rPr lang="en-US" dirty="0">
-                <a:sym typeface="Wingdings" pitchFamily="2" charset="2"/>
-              </a:rPr>
-              <a:t> R0 + 1</a:t>
-            </a:r>
-          </a:p>
-          <a:p>
-            <a:pPr marL="0" indent="0">
-              <a:buNone/>
-            </a:pPr>
-            <a:r>
-              <a:rPr lang="en-US" dirty="0"/>
-              <a:t>	R3 </a:t>
-            </a:r>
-            <a:r>
-              <a:rPr lang="en-US" dirty="0">
-                <a:sym typeface="Wingdings" pitchFamily="2" charset="2"/>
-              </a:rPr>
-              <a:t> R3 – R4</a:t>
-            </a:r>
-          </a:p>
-          <a:p>
-            <a:pPr marL="0" indent="0">
-              <a:buNone/>
-            </a:pPr>
-            <a:r>
-              <a:rPr lang="en-US" dirty="0" err="1">
-                <a:sym typeface="Wingdings" pitchFamily="2" charset="2"/>
-              </a:rPr>
-              <a:t>Brzp</a:t>
-            </a:r>
-            <a:r>
-              <a:rPr lang="en-US" dirty="0">
-                <a:sym typeface="Wingdings" pitchFamily="2" charset="2"/>
-              </a:rPr>
-              <a:t> </a:t>
-            </a:r>
-            <a:r>
-              <a:rPr lang="en-US" dirty="0" err="1">
-                <a:sym typeface="Wingdings" pitchFamily="2" charset="2"/>
-              </a:rPr>
-              <a:t>DivLoop</a:t>
-            </a:r>
-            <a:endParaRPr lang="en-US" dirty="0">
-              <a:sym typeface="Wingdings" pitchFamily="2" charset="2"/>
-            </a:endParaRPr>
-          </a:p>
-          <a:p>
-            <a:pPr marL="0" indent="0">
-              <a:buNone/>
-            </a:pPr>
-            <a:r>
-              <a:rPr lang="en-US" dirty="0"/>
-              <a:t>	R0 </a:t>
-            </a:r>
-            <a:r>
-              <a:rPr lang="en-US" dirty="0">
-                <a:sym typeface="Wingdings" pitchFamily="2" charset="2"/>
-              </a:rPr>
-              <a:t> R0 - 1</a:t>
-            </a:r>
-          </a:p>
-          <a:p>
-            <a:pPr marL="0" indent="0">
-              <a:buNone/>
-            </a:pPr>
-            <a:r>
-              <a:rPr lang="en-US" dirty="0"/>
-              <a:t>	R1 </a:t>
-            </a:r>
-            <a:r>
-              <a:rPr lang="en-US" dirty="0">
-                <a:sym typeface="Wingdings" pitchFamily="2" charset="2"/>
-              </a:rPr>
-              <a:t> R3 + R4</a:t>
-            </a:r>
-            <a:endParaRPr lang="en-US" dirty="0"/>
-          </a:p>
         </p:txBody>
       </p:sp>
       <p:sp>
@@ -5389,7 +5245,7 @@
           <p:cNvPr id="4" name="TextBox 3">
             <a:extLst>
               <a:ext uri="{FF2B5EF4-FFF2-40B4-BE49-F238E27FC236}">
-                <a16:creationId xmlns:a16="http://schemas.microsoft.com/office/drawing/2014/main" id="{50EB7135-4341-9E44-86BD-7750B5378D16}"/>
+                <a16:creationId xmlns:a16="http://schemas.microsoft.com/office/drawing/2014/main" id="{20855AF1-0618-DE47-A726-4BEB0DD86D12}"/>
               </a:ext>
             </a:extLst>
           </p:cNvPr>
@@ -5398,8 +5254,8 @@
         </p:nvSpPr>
         <p:spPr>
           <a:xfrm>
-            <a:off x="6577781" y="1002890"/>
-            <a:ext cx="3852337" cy="4524315"/>
+            <a:off x="8612080" y="636811"/>
+            <a:ext cx="2034147" cy="584775"/>
           </a:xfrm>
           <a:prstGeom prst="rect">
             <a:avLst/>
@@ -5413,70 +5269,392 @@
           <a:lstStyle/>
           <a:p>
             <a:r>
-              <a:rPr lang="en-US" sz="3600" dirty="0"/>
-              <a:t>Ex R3 = 12, R4 = 4</a:t>
-            </a:r>
-          </a:p>
-          <a:p>
-            <a:pPr marL="342900" indent="-342900">
-              <a:buAutoNum type="arabicPeriod"/>
-            </a:pPr>
-            <a:r>
-              <a:rPr lang="en-US" sz="3600" dirty="0"/>
-              <a:t>R3 = 8, R0 = 1</a:t>
-            </a:r>
-          </a:p>
-          <a:p>
-            <a:pPr marL="342900" indent="-342900">
-              <a:buAutoNum type="arabicPeriod"/>
-            </a:pPr>
-            <a:r>
-              <a:rPr lang="en-US" sz="3600" dirty="0"/>
-              <a:t>R3 = 4, R0 = 2</a:t>
-            </a:r>
-          </a:p>
-          <a:p>
-            <a:pPr marL="342900" indent="-342900">
-              <a:buAutoNum type="arabicPeriod"/>
-            </a:pPr>
-            <a:r>
-              <a:rPr lang="en-US" sz="3600" dirty="0"/>
-              <a:t>R3 = 0, R0 = 3</a:t>
-            </a:r>
-          </a:p>
-          <a:p>
-            <a:pPr marL="342900" indent="-342900">
-              <a:buAutoNum type="arabicPeriod"/>
-            </a:pPr>
-            <a:r>
-              <a:rPr lang="en-US" sz="3600" dirty="0"/>
-              <a:t>R3 = -4, R0 = 4</a:t>
-            </a:r>
-          </a:p>
-          <a:p>
-            <a:r>
-              <a:rPr lang="en-US" sz="3600" dirty="0"/>
-              <a:t>--------------------------</a:t>
-            </a:r>
-          </a:p>
-          <a:p>
-            <a:r>
-              <a:rPr lang="en-US" sz="3600" dirty="0"/>
-              <a:t>5. R0 = 3, R1 = 0</a:t>
-            </a:r>
-          </a:p>
-          <a:p>
-            <a:pPr marL="342900" indent="-342900">
-              <a:buAutoNum type="arabicPeriod"/>
-            </a:pPr>
-            <a:endParaRPr lang="en-US" sz="3600" dirty="0"/>
+              <a:rPr lang="en-US" sz="3200" dirty="0"/>
+              <a:t>Value in R3</a:t>
+            </a:r>
+          </a:p>
+        </p:txBody>
+      </p:sp>
+      <p:sp>
+        <p:nvSpPr>
+          <p:cNvPr id="5" name="TextBox 4">
+            <a:extLst>
+              <a:ext uri="{FF2B5EF4-FFF2-40B4-BE49-F238E27FC236}">
+                <a16:creationId xmlns:a16="http://schemas.microsoft.com/office/drawing/2014/main" id="{05EBF8C1-E0D5-9444-A8A0-54B4594F17F1}"/>
+              </a:ext>
+            </a:extLst>
+          </p:cNvPr>
+          <p:cNvSpPr txBox="1"/>
+          <p:nvPr/>
+        </p:nvSpPr>
+        <p:spPr>
+          <a:xfrm>
+            <a:off x="8241713" y="1517863"/>
+            <a:ext cx="2388795" cy="1569660"/>
+          </a:xfrm>
+          <a:prstGeom prst="rect">
+            <a:avLst/>
+          </a:prstGeom>
+          <a:noFill/>
+          <a:ln>
+            <a:solidFill>
+              <a:schemeClr val="tx1"/>
+            </a:solidFill>
+          </a:ln>
+        </p:spPr>
+        <p:txBody>
+          <a:bodyPr wrap="none" rtlCol="0">
+            <a:spAutoFit/>
+          </a:bodyPr>
+          <a:lstStyle/>
+          <a:p>
+            <a:r>
+              <a:rPr lang="en-US" sz="3200" dirty="0"/>
+              <a:t>R3 ÷ 8 = Q…R</a:t>
+            </a:r>
+          </a:p>
+          <a:p>
+            <a:r>
+              <a:rPr lang="en-US" sz="3200" dirty="0"/>
+              <a:t>R3 </a:t>
+            </a:r>
+            <a:r>
+              <a:rPr lang="en-US" sz="3200" dirty="0">
+                <a:sym typeface="Wingdings" pitchFamily="2" charset="2"/>
+              </a:rPr>
+              <a:t> Q</a:t>
+            </a:r>
+          </a:p>
+          <a:p>
+            <a:r>
+              <a:rPr lang="en-US" sz="3200" dirty="0">
+                <a:sym typeface="Wingdings" pitchFamily="2" charset="2"/>
+              </a:rPr>
+              <a:t>PUSH( R )</a:t>
+            </a:r>
+            <a:endParaRPr lang="en-US" sz="3200" dirty="0"/>
+          </a:p>
+        </p:txBody>
+      </p:sp>
+      <p:sp>
+        <p:nvSpPr>
+          <p:cNvPr id="6" name="Diamond 5">
+            <a:extLst>
+              <a:ext uri="{FF2B5EF4-FFF2-40B4-BE49-F238E27FC236}">
+                <a16:creationId xmlns:a16="http://schemas.microsoft.com/office/drawing/2014/main" id="{62C17A6C-81D1-AA4F-B957-CA0E5D642E37}"/>
+              </a:ext>
+            </a:extLst>
+          </p:cNvPr>
+          <p:cNvSpPr/>
+          <p:nvPr/>
+        </p:nvSpPr>
+        <p:spPr>
+          <a:xfrm>
+            <a:off x="8049882" y="3624679"/>
+            <a:ext cx="2974676" cy="1146179"/>
+          </a:xfrm>
+          <a:prstGeom prst="diamond">
+            <a:avLst/>
+          </a:prstGeom>
+          <a:noFill/>
+          <a:ln>
+            <a:solidFill>
+              <a:schemeClr val="tx1"/>
+            </a:solidFill>
+          </a:ln>
+        </p:spPr>
+        <p:style>
+          <a:lnRef idx="2">
+            <a:schemeClr val="accent1">
+              <a:shade val="50000"/>
+            </a:schemeClr>
+          </a:lnRef>
+          <a:fillRef idx="1">
+            <a:schemeClr val="accent1"/>
+          </a:fillRef>
+          <a:effectRef idx="0">
+            <a:schemeClr val="accent1"/>
+          </a:effectRef>
+          <a:fontRef idx="minor">
+            <a:schemeClr val="lt1"/>
+          </a:fontRef>
+        </p:style>
+        <p:txBody>
+          <a:bodyPr rtlCol="0" anchor="ctr"/>
+          <a:lstStyle/>
+          <a:p>
+            <a:pPr algn="ctr"/>
+            <a:r>
+              <a:rPr lang="en-US" sz="3200" dirty="0">
+                <a:solidFill>
+                  <a:schemeClr val="tx1"/>
+                </a:solidFill>
+              </a:rPr>
+              <a:t>R3==0?</a:t>
+            </a:r>
+          </a:p>
+        </p:txBody>
+      </p:sp>
+      <p:sp>
+        <p:nvSpPr>
+          <p:cNvPr id="7" name="TextBox 6">
+            <a:extLst>
+              <a:ext uri="{FF2B5EF4-FFF2-40B4-BE49-F238E27FC236}">
+                <a16:creationId xmlns:a16="http://schemas.microsoft.com/office/drawing/2014/main" id="{50D16DB7-73DA-A747-9C0B-F1E4E47A633A}"/>
+              </a:ext>
+            </a:extLst>
+          </p:cNvPr>
+          <p:cNvSpPr txBox="1"/>
+          <p:nvPr/>
+        </p:nvSpPr>
+        <p:spPr>
+          <a:xfrm>
+            <a:off x="7531390" y="5305631"/>
+            <a:ext cx="4017831" cy="1077218"/>
+          </a:xfrm>
+          <a:prstGeom prst="rect">
+            <a:avLst/>
+          </a:prstGeom>
+          <a:noFill/>
+          <a:ln>
+            <a:solidFill>
+              <a:schemeClr val="tx1"/>
+            </a:solidFill>
+          </a:ln>
+        </p:spPr>
+        <p:txBody>
+          <a:bodyPr wrap="none" rtlCol="0">
+            <a:spAutoFit/>
+          </a:bodyPr>
+          <a:lstStyle/>
+          <a:p>
+            <a:r>
+              <a:rPr lang="en-US" sz="3200" dirty="0"/>
+              <a:t>POP the values in stack</a:t>
+            </a:r>
+          </a:p>
+          <a:p>
+            <a:r>
+              <a:rPr lang="en-US" sz="3200" dirty="0"/>
+              <a:t>Add ASCII offset</a:t>
+            </a:r>
+          </a:p>
+        </p:txBody>
+      </p:sp>
+      <p:cxnSp>
+        <p:nvCxnSpPr>
+          <p:cNvPr id="8" name="Straight Arrow Connector 7">
+            <a:extLst>
+              <a:ext uri="{FF2B5EF4-FFF2-40B4-BE49-F238E27FC236}">
+                <a16:creationId xmlns:a16="http://schemas.microsoft.com/office/drawing/2014/main" id="{E2CFB037-590F-4B46-BA15-77C0BE830E1E}"/>
+              </a:ext>
+            </a:extLst>
+          </p:cNvPr>
+          <p:cNvCxnSpPr>
+            <a:cxnSpLocks/>
+            <a:stCxn id="5" idx="2"/>
+            <a:endCxn id="6" idx="0"/>
+          </p:cNvCxnSpPr>
+          <p:nvPr/>
+        </p:nvCxnSpPr>
+        <p:spPr>
+          <a:xfrm>
+            <a:off x="9436111" y="3087523"/>
+            <a:ext cx="101109" cy="537156"/>
+          </a:xfrm>
+          <a:prstGeom prst="straightConnector1">
+            <a:avLst/>
+          </a:prstGeom>
+          <a:ln w="12700">
+            <a:solidFill>
+              <a:schemeClr val="tx1"/>
+            </a:solidFill>
+            <a:tailEnd type="triangle"/>
+          </a:ln>
+        </p:spPr>
+        <p:style>
+          <a:lnRef idx="1">
+            <a:schemeClr val="accent1"/>
+          </a:lnRef>
+          <a:fillRef idx="0">
+            <a:schemeClr val="accent1"/>
+          </a:fillRef>
+          <a:effectRef idx="0">
+            <a:schemeClr val="accent1"/>
+          </a:effectRef>
+          <a:fontRef idx="minor">
+            <a:schemeClr val="tx1"/>
+          </a:fontRef>
+        </p:style>
+      </p:cxnSp>
+      <p:cxnSp>
+        <p:nvCxnSpPr>
+          <p:cNvPr id="9" name="Straight Arrow Connector 8">
+            <a:extLst>
+              <a:ext uri="{FF2B5EF4-FFF2-40B4-BE49-F238E27FC236}">
+                <a16:creationId xmlns:a16="http://schemas.microsoft.com/office/drawing/2014/main" id="{6EEE3A74-7CB7-9A41-A880-E97F9E588C1A}"/>
+              </a:ext>
+            </a:extLst>
+          </p:cNvPr>
+          <p:cNvCxnSpPr>
+            <a:cxnSpLocks/>
+            <a:stCxn id="6" idx="2"/>
+            <a:endCxn id="7" idx="0"/>
+          </p:cNvCxnSpPr>
+          <p:nvPr/>
+        </p:nvCxnSpPr>
+        <p:spPr>
+          <a:xfrm>
+            <a:off x="9537220" y="4770858"/>
+            <a:ext cx="3086" cy="534773"/>
+          </a:xfrm>
+          <a:prstGeom prst="straightConnector1">
+            <a:avLst/>
+          </a:prstGeom>
+          <a:ln w="12700">
+            <a:solidFill>
+              <a:schemeClr val="tx1"/>
+            </a:solidFill>
+            <a:tailEnd type="triangle"/>
+          </a:ln>
+        </p:spPr>
+        <p:style>
+          <a:lnRef idx="1">
+            <a:schemeClr val="accent1"/>
+          </a:lnRef>
+          <a:fillRef idx="0">
+            <a:schemeClr val="accent1"/>
+          </a:fillRef>
+          <a:effectRef idx="0">
+            <a:schemeClr val="accent1"/>
+          </a:effectRef>
+          <a:fontRef idx="minor">
+            <a:schemeClr val="tx1"/>
+          </a:fontRef>
+        </p:style>
+      </p:cxnSp>
+      <p:cxnSp>
+        <p:nvCxnSpPr>
+          <p:cNvPr id="10" name="Curved Connector 9">
+            <a:extLst>
+              <a:ext uri="{FF2B5EF4-FFF2-40B4-BE49-F238E27FC236}">
+                <a16:creationId xmlns:a16="http://schemas.microsoft.com/office/drawing/2014/main" id="{7A084327-4996-DD45-B990-813B6FB8ADF9}"/>
+              </a:ext>
+            </a:extLst>
+          </p:cNvPr>
+          <p:cNvCxnSpPr>
+            <a:cxnSpLocks/>
+            <a:stCxn id="6" idx="1"/>
+            <a:endCxn id="5" idx="1"/>
+          </p:cNvCxnSpPr>
+          <p:nvPr/>
+        </p:nvCxnSpPr>
+        <p:spPr>
+          <a:xfrm rot="10800000" flipH="1">
+            <a:off x="8049881" y="2302693"/>
+            <a:ext cx="191831" cy="1895076"/>
+          </a:xfrm>
+          <a:prstGeom prst="curvedConnector3">
+            <a:avLst>
+              <a:gd name="adj1" fmla="val -119167"/>
+            </a:avLst>
+          </a:prstGeom>
+          <a:ln w="12700">
+            <a:solidFill>
+              <a:schemeClr val="tx1"/>
+            </a:solidFill>
+            <a:tailEnd type="triangle"/>
+          </a:ln>
+        </p:spPr>
+        <p:style>
+          <a:lnRef idx="1">
+            <a:schemeClr val="accent1"/>
+          </a:lnRef>
+          <a:fillRef idx="0">
+            <a:schemeClr val="accent1"/>
+          </a:fillRef>
+          <a:effectRef idx="0">
+            <a:schemeClr val="accent1"/>
+          </a:effectRef>
+          <a:fontRef idx="minor">
+            <a:schemeClr val="tx1"/>
+          </a:fontRef>
+        </p:style>
+      </p:cxnSp>
+      <p:sp>
+        <p:nvSpPr>
+          <p:cNvPr id="11" name="TextBox 10">
+            <a:extLst>
+              <a:ext uri="{FF2B5EF4-FFF2-40B4-BE49-F238E27FC236}">
+                <a16:creationId xmlns:a16="http://schemas.microsoft.com/office/drawing/2014/main" id="{D82E35D2-EDA8-0246-9C15-8590754F375A}"/>
+              </a:ext>
+            </a:extLst>
+          </p:cNvPr>
+          <p:cNvSpPr txBox="1"/>
+          <p:nvPr/>
+        </p:nvSpPr>
+        <p:spPr>
+          <a:xfrm>
+            <a:off x="10023894" y="4770858"/>
+            <a:ext cx="512641" cy="369332"/>
+          </a:xfrm>
+          <a:prstGeom prst="rect">
+            <a:avLst/>
+          </a:prstGeom>
+          <a:noFill/>
+        </p:spPr>
+        <p:txBody>
+          <a:bodyPr wrap="none" rtlCol="0">
+            <a:spAutoFit/>
+          </a:bodyPr>
+          <a:lstStyle/>
+          <a:p>
+            <a:r>
+              <a:rPr lang="en-US" dirty="0"/>
+              <a:t>YES</a:t>
+            </a:r>
+          </a:p>
+        </p:txBody>
+      </p:sp>
+      <p:sp>
+        <p:nvSpPr>
+          <p:cNvPr id="12" name="TextBox 11">
+            <a:extLst>
+              <a:ext uri="{FF2B5EF4-FFF2-40B4-BE49-F238E27FC236}">
+                <a16:creationId xmlns:a16="http://schemas.microsoft.com/office/drawing/2014/main" id="{6E1D9A31-FA20-234A-BFCC-D22235E7A519}"/>
+              </a:ext>
+            </a:extLst>
+          </p:cNvPr>
+          <p:cNvSpPr txBox="1"/>
+          <p:nvPr/>
+        </p:nvSpPr>
+        <p:spPr>
+          <a:xfrm>
+            <a:off x="7889475" y="3227081"/>
+            <a:ext cx="486030" cy="369332"/>
+          </a:xfrm>
+          <a:prstGeom prst="rect">
+            <a:avLst/>
+          </a:prstGeom>
+          <a:noFill/>
+        </p:spPr>
+        <p:txBody>
+          <a:bodyPr wrap="none" rtlCol="0">
+            <a:spAutoFit/>
+          </a:bodyPr>
+          <a:lstStyle/>
+          <a:p>
+            <a:r>
+              <a:rPr lang="en-US" dirty="0"/>
+              <a:t>NO</a:t>
+            </a:r>
           </a:p>
         </p:txBody>
       </p:sp>
     </p:spTree>
     <p:extLst>
       <p:ext uri="{BB962C8B-B14F-4D97-AF65-F5344CB8AC3E}">
-        <p14:creationId xmlns:p14="http://schemas.microsoft.com/office/powerpoint/2010/main" val="1500287642"/>
+        <p14:creationId xmlns:p14="http://schemas.microsoft.com/office/powerpoint/2010/main" val="15542936"/>
       </p:ext>
     </p:extLst>
   </p:cSld>
@@ -5508,6 +5686,322 @@
           <p:cNvPr id="2" name="Title 1">
             <a:extLst>
               <a:ext uri="{FF2B5EF4-FFF2-40B4-BE49-F238E27FC236}">
+                <a16:creationId xmlns:a16="http://schemas.microsoft.com/office/drawing/2014/main" id="{73056ECC-5044-DD4D-A8BF-9EB50C9DEB65}"/>
+              </a:ext>
+            </a:extLst>
+          </p:cNvPr>
+          <p:cNvSpPr>
+            <a:spLocks noGrp="1"/>
+          </p:cNvSpPr>
+          <p:nvPr>
+            <p:ph type="title"/>
+          </p:nvPr>
+        </p:nvSpPr>
+        <p:spPr/>
+        <p:txBody>
+          <a:bodyPr/>
+          <a:lstStyle/>
+          <a:p>
+            <a:r>
+              <a:rPr lang="en-US" dirty="0"/>
+              <a:t>DIVISION</a:t>
+            </a:r>
+          </a:p>
+        </p:txBody>
+      </p:sp>
+      <p:sp>
+        <p:nvSpPr>
+          <p:cNvPr id="3" name="Content Placeholder 2">
+            <a:extLst>
+              <a:ext uri="{FF2B5EF4-FFF2-40B4-BE49-F238E27FC236}">
+                <a16:creationId xmlns:a16="http://schemas.microsoft.com/office/drawing/2014/main" id="{813A23BA-1CB7-C44B-90F3-E4A81A4F3F74}"/>
+              </a:ext>
+            </a:extLst>
+          </p:cNvPr>
+          <p:cNvSpPr>
+            <a:spLocks noGrp="1"/>
+          </p:cNvSpPr>
+          <p:nvPr>
+            <p:ph idx="1"/>
+          </p:nvPr>
+        </p:nvSpPr>
+        <p:spPr>
+          <a:xfrm>
+            <a:off x="838200" y="1825625"/>
+            <a:ext cx="4648200" cy="4351338"/>
+          </a:xfrm>
+        </p:spPr>
+        <p:txBody>
+          <a:bodyPr>
+            <a:normAutofit fontScale="92500" lnSpcReduction="20000"/>
+          </a:bodyPr>
+          <a:lstStyle/>
+          <a:p>
+            <a:pPr marL="0" indent="0">
+              <a:buNone/>
+            </a:pPr>
+            <a:r>
+              <a:rPr lang="en-US" dirty="0"/>
+              <a:t>Input: R3, R4  (R3 / R4)</a:t>
+            </a:r>
+          </a:p>
+          <a:p>
+            <a:pPr marL="0" indent="0">
+              <a:buNone/>
+            </a:pPr>
+            <a:r>
+              <a:rPr lang="en-US" dirty="0"/>
+              <a:t>Output: R0 (Q), R1 (Remainder)</a:t>
+            </a:r>
+          </a:p>
+          <a:p>
+            <a:pPr marL="0" indent="0">
+              <a:buNone/>
+            </a:pPr>
+            <a:endParaRPr lang="en-US" dirty="0"/>
+          </a:p>
+          <a:p>
+            <a:pPr marL="0" indent="0">
+              <a:buNone/>
+            </a:pPr>
+            <a:r>
+              <a:rPr lang="en-US" dirty="0"/>
+              <a:t>R0 </a:t>
+            </a:r>
+            <a:r>
+              <a:rPr lang="en-US" dirty="0">
+                <a:sym typeface="Wingdings" pitchFamily="2" charset="2"/>
+              </a:rPr>
+              <a:t></a:t>
+            </a:r>
+            <a:r>
+              <a:rPr lang="en-US" dirty="0"/>
+              <a:t> 0</a:t>
+            </a:r>
+          </a:p>
+          <a:p>
+            <a:pPr marL="0" indent="0">
+              <a:buNone/>
+            </a:pPr>
+            <a:r>
+              <a:rPr lang="en-US" dirty="0" err="1"/>
+              <a:t>DivLOOP</a:t>
+            </a:r>
+            <a:endParaRPr lang="en-US" dirty="0"/>
+          </a:p>
+          <a:p>
+            <a:pPr marL="0" indent="0">
+              <a:buNone/>
+            </a:pPr>
+            <a:r>
+              <a:rPr lang="en-US" dirty="0"/>
+              <a:t>	R0 </a:t>
+            </a:r>
+            <a:r>
+              <a:rPr lang="en-US" dirty="0">
+                <a:sym typeface="Wingdings" pitchFamily="2" charset="2"/>
+              </a:rPr>
+              <a:t> R0 + 1</a:t>
+            </a:r>
+          </a:p>
+          <a:p>
+            <a:pPr marL="0" indent="0">
+              <a:buNone/>
+            </a:pPr>
+            <a:r>
+              <a:rPr lang="en-US" dirty="0"/>
+              <a:t>	R3 </a:t>
+            </a:r>
+            <a:r>
+              <a:rPr lang="en-US" dirty="0">
+                <a:sym typeface="Wingdings" pitchFamily="2" charset="2"/>
+              </a:rPr>
+              <a:t> R3 – R4</a:t>
+            </a:r>
+          </a:p>
+          <a:p>
+            <a:pPr marL="0" indent="0">
+              <a:buNone/>
+            </a:pPr>
+            <a:r>
+              <a:rPr lang="en-US" dirty="0" err="1">
+                <a:sym typeface="Wingdings" pitchFamily="2" charset="2"/>
+              </a:rPr>
+              <a:t>Brzp</a:t>
+            </a:r>
+            <a:r>
+              <a:rPr lang="en-US" dirty="0">
+                <a:sym typeface="Wingdings" pitchFamily="2" charset="2"/>
+              </a:rPr>
+              <a:t> </a:t>
+            </a:r>
+            <a:r>
+              <a:rPr lang="en-US" dirty="0" err="1">
+                <a:sym typeface="Wingdings" pitchFamily="2" charset="2"/>
+              </a:rPr>
+              <a:t>DivLoop</a:t>
+            </a:r>
+            <a:endParaRPr lang="en-US" dirty="0">
+              <a:sym typeface="Wingdings" pitchFamily="2" charset="2"/>
+            </a:endParaRPr>
+          </a:p>
+          <a:p>
+            <a:pPr marL="0" indent="0">
+              <a:buNone/>
+            </a:pPr>
+            <a:r>
+              <a:rPr lang="en-US" dirty="0"/>
+              <a:t>	R0 </a:t>
+            </a:r>
+            <a:r>
+              <a:rPr lang="en-US" dirty="0">
+                <a:sym typeface="Wingdings" pitchFamily="2" charset="2"/>
+              </a:rPr>
+              <a:t> R0 - 1</a:t>
+            </a:r>
+          </a:p>
+          <a:p>
+            <a:pPr marL="0" indent="0">
+              <a:buNone/>
+            </a:pPr>
+            <a:r>
+              <a:rPr lang="en-US" dirty="0"/>
+              <a:t>	R1 </a:t>
+            </a:r>
+            <a:r>
+              <a:rPr lang="en-US" dirty="0">
+                <a:sym typeface="Wingdings" pitchFamily="2" charset="2"/>
+              </a:rPr>
+              <a:t> R3 + R4</a:t>
+            </a:r>
+            <a:endParaRPr lang="en-US" dirty="0"/>
+          </a:p>
+        </p:txBody>
+      </p:sp>
+      <p:sp>
+        <p:nvSpPr>
+          <p:cNvPr id="4" name="TextBox 3">
+            <a:extLst>
+              <a:ext uri="{FF2B5EF4-FFF2-40B4-BE49-F238E27FC236}">
+                <a16:creationId xmlns:a16="http://schemas.microsoft.com/office/drawing/2014/main" id="{50EB7135-4341-9E44-86BD-7750B5378D16}"/>
+              </a:ext>
+            </a:extLst>
+          </p:cNvPr>
+          <p:cNvSpPr txBox="1"/>
+          <p:nvPr/>
+        </p:nvSpPr>
+        <p:spPr>
+          <a:xfrm>
+            <a:off x="6577781" y="1002890"/>
+            <a:ext cx="3852337" cy="4524315"/>
+          </a:xfrm>
+          <a:prstGeom prst="rect">
+            <a:avLst/>
+          </a:prstGeom>
+          <a:noFill/>
+        </p:spPr>
+        <p:txBody>
+          <a:bodyPr wrap="none" rtlCol="0">
+            <a:spAutoFit/>
+          </a:bodyPr>
+          <a:lstStyle/>
+          <a:p>
+            <a:r>
+              <a:rPr lang="en-US" sz="3600" dirty="0"/>
+              <a:t>Ex R3 = 12, R4 = 4</a:t>
+            </a:r>
+          </a:p>
+          <a:p>
+            <a:pPr marL="342900" indent="-342900">
+              <a:buAutoNum type="arabicPeriod"/>
+            </a:pPr>
+            <a:r>
+              <a:rPr lang="en-US" sz="3600" dirty="0"/>
+              <a:t>R3 = 8, R0 = 1</a:t>
+            </a:r>
+          </a:p>
+          <a:p>
+            <a:pPr marL="342900" indent="-342900">
+              <a:buAutoNum type="arabicPeriod"/>
+            </a:pPr>
+            <a:r>
+              <a:rPr lang="en-US" sz="3600" dirty="0"/>
+              <a:t>R3 = 4, R0 = 2</a:t>
+            </a:r>
+          </a:p>
+          <a:p>
+            <a:pPr marL="342900" indent="-342900">
+              <a:buAutoNum type="arabicPeriod"/>
+            </a:pPr>
+            <a:r>
+              <a:rPr lang="en-US" sz="3600" dirty="0"/>
+              <a:t>R3 = 0, R0 = 3</a:t>
+            </a:r>
+          </a:p>
+          <a:p>
+            <a:pPr marL="342900" indent="-342900">
+              <a:buAutoNum type="arabicPeriod"/>
+            </a:pPr>
+            <a:r>
+              <a:rPr lang="en-US" sz="3600" dirty="0"/>
+              <a:t>R3 = -4, R0 = 4</a:t>
+            </a:r>
+          </a:p>
+          <a:p>
+            <a:r>
+              <a:rPr lang="en-US" sz="3600" dirty="0"/>
+              <a:t>--------------------------</a:t>
+            </a:r>
+          </a:p>
+          <a:p>
+            <a:r>
+              <a:rPr lang="en-US" sz="3600" dirty="0"/>
+              <a:t>5. R1 = 0, R0 = 3</a:t>
+            </a:r>
+          </a:p>
+          <a:p>
+            <a:pPr marL="342900" indent="-342900">
+              <a:buAutoNum type="arabicPeriod"/>
+            </a:pPr>
+            <a:endParaRPr lang="en-US" sz="3600" dirty="0"/>
+          </a:p>
+        </p:txBody>
+      </p:sp>
+    </p:spTree>
+    <p:extLst>
+      <p:ext uri="{BB962C8B-B14F-4D97-AF65-F5344CB8AC3E}">
+        <p14:creationId xmlns:p14="http://schemas.microsoft.com/office/powerpoint/2010/main" val="1500287642"/>
+      </p:ext>
+    </p:extLst>
+  </p:cSld>
+  <p:clrMapOvr>
+    <a:masterClrMapping/>
+  </p:clrMapOvr>
+</p:sld>
+</file>
+
+<file path=ppt/slides/slide6.xml><?xml version="1.0" encoding="utf-8"?>
+<p:sld xmlns:a="http://schemas.openxmlformats.org/drawingml/2006/main" xmlns:r="http://schemas.openxmlformats.org/officeDocument/2006/relationships" xmlns:p="http://schemas.openxmlformats.org/presentationml/2006/main">
+  <p:cSld>
+    <p:spTree>
+      <p:nvGrpSpPr>
+        <p:cNvPr id="1" name=""/>
+        <p:cNvGrpSpPr/>
+        <p:nvPr/>
+      </p:nvGrpSpPr>
+      <p:grpSpPr>
+        <a:xfrm>
+          <a:off x="0" y="0"/>
+          <a:ext cx="0" cy="0"/>
+          <a:chOff x="0" y="0"/>
+          <a:chExt cx="0" cy="0"/>
+        </a:xfrm>
+      </p:grpSpPr>
+      <p:sp>
+        <p:nvSpPr>
+          <p:cNvPr id="2" name="Title 1">
+            <a:extLst>
+              <a:ext uri="{FF2B5EF4-FFF2-40B4-BE49-F238E27FC236}">
                 <a16:creationId xmlns:a16="http://schemas.microsoft.com/office/drawing/2014/main" id="{D79F6417-B03F-DE43-BEBF-E9C56BC06398}"/>
               </a:ext>
             </a:extLst>
@@ -5575,7 +6069,7 @@
 </p:sld>
 </file>
 
-<file path=ppt/slides/slide6.xml><?xml version="1.0" encoding="utf-8"?>
+<file path=ppt/slides/slide7.xml><?xml version="1.0" encoding="utf-8"?>
 <p:sld xmlns:a="http://schemas.openxmlformats.org/drawingml/2006/main" xmlns:r="http://schemas.openxmlformats.org/officeDocument/2006/relationships" xmlns:p="http://schemas.openxmlformats.org/presentationml/2006/main">
   <p:cSld>
     <p:bg>
@@ -5683,7 +6177,7 @@
         </p:blipFill>
         <p:spPr>
           <a:xfrm>
-            <a:off x="838200" y="1845426"/>
+            <a:off x="571072" y="242657"/>
             <a:ext cx="10512547" cy="4450303"/>
           </a:xfrm>
           <a:prstGeom prst="rect">
@@ -5691,6 +6185,98 @@
           </a:prstGeom>
         </p:spPr>
       </p:pic>
+      <p:sp>
+        <p:nvSpPr>
+          <p:cNvPr id="2" name="TextBox 1">
+            <a:extLst>
+              <a:ext uri="{FF2B5EF4-FFF2-40B4-BE49-F238E27FC236}">
+                <a16:creationId xmlns:a16="http://schemas.microsoft.com/office/drawing/2014/main" id="{903F0422-1B1A-FA42-8CEB-94012E96EF99}"/>
+              </a:ext>
+            </a:extLst>
+          </p:cNvPr>
+          <p:cNvSpPr txBox="1"/>
+          <p:nvPr/>
+        </p:nvSpPr>
+        <p:spPr>
+          <a:xfrm>
+            <a:off x="9785838" y="1186962"/>
+            <a:ext cx="1239442" cy="369332"/>
+          </a:xfrm>
+          <a:prstGeom prst="rect">
+            <a:avLst/>
+          </a:prstGeom>
+          <a:noFill/>
+        </p:spPr>
+        <p:txBody>
+          <a:bodyPr wrap="none" rtlCol="0">
+            <a:spAutoFit/>
+          </a:bodyPr>
+          <a:lstStyle/>
+          <a:p>
+            <a:r>
+              <a:rPr lang="en-US" dirty="0"/>
+              <a:t>R4, R5, R6?</a:t>
+            </a:r>
+          </a:p>
+        </p:txBody>
+      </p:sp>
+      <p:sp>
+        <p:nvSpPr>
+          <p:cNvPr id="3" name="TextBox 2">
+            <a:extLst>
+              <a:ext uri="{FF2B5EF4-FFF2-40B4-BE49-F238E27FC236}">
+                <a16:creationId xmlns:a16="http://schemas.microsoft.com/office/drawing/2014/main" id="{EC420759-B91A-9C48-8BFC-280E91C65897}"/>
+              </a:ext>
+            </a:extLst>
+          </p:cNvPr>
+          <p:cNvSpPr txBox="1"/>
+          <p:nvPr/>
+        </p:nvSpPr>
+        <p:spPr>
+          <a:xfrm>
+            <a:off x="2206869" y="5354515"/>
+            <a:ext cx="1111715" cy="923330"/>
+          </a:xfrm>
+          <a:prstGeom prst="rect">
+            <a:avLst/>
+          </a:prstGeom>
+          <a:noFill/>
+        </p:spPr>
+        <p:txBody>
+          <a:bodyPr wrap="none" rtlCol="0">
+            <a:spAutoFit/>
+          </a:bodyPr>
+          <a:lstStyle/>
+          <a:p>
+            <a:r>
+              <a:rPr lang="en-US" dirty="0"/>
+              <a:t>R4: x5049</a:t>
+            </a:r>
+          </a:p>
+          <a:p>
+            <a:r>
+              <a:rPr lang="en-US" dirty="0"/>
+              <a:t>R5: </a:t>
+            </a:r>
+            <a:r>
+              <a:rPr lang="en-US" dirty="0" err="1"/>
+              <a:t>xECEB</a:t>
+            </a:r>
+            <a:endParaRPr lang="en-US" dirty="0"/>
+          </a:p>
+          <a:p>
+            <a:r>
+              <a:rPr lang="en-US" dirty="0"/>
+              <a:t>R6: </a:t>
+            </a:r>
+            <a:r>
+              <a:rPr lang="en-US" dirty="0" err="1"/>
+              <a:t>xECEB</a:t>
+            </a:r>
+            <a:endParaRPr lang="en-US" dirty="0"/>
+          </a:p>
+        </p:txBody>
+      </p:sp>
     </p:spTree>
     <p:extLst>
       <p:ext uri="{BB962C8B-B14F-4D97-AF65-F5344CB8AC3E}">
